--- a/ppt 16-9/1320.求主不要怒中.pptx
+++ b/ppt 16-9/1320.求主不要怒中.pptx
@@ -129,7 +129,7 @@
           <p:cNvPr id="2" name="标题 1">
             <a:extLst>
               <a:ext uri="{FF2B5EF4-FFF2-40B4-BE49-F238E27FC236}">
-                <a16:creationId xmlns:a16="http://schemas.microsoft.com/office/drawing/2014/main" id="{67EA6E9D-08F6-DDDE-308D-53DCDDDA3CCF}"/>
+                <a16:creationId xmlns:a16="http://schemas.microsoft.com/office/drawing/2014/main" id="{E82FBF25-AFCC-6DA9-BE53-FD4FC8282AAB}"/>
               </a:ext>
             </a:extLst>
           </p:cNvPr>
@@ -166,7 +166,7 @@
           <p:cNvPr id="3" name="副标题 2">
             <a:extLst>
               <a:ext uri="{FF2B5EF4-FFF2-40B4-BE49-F238E27FC236}">
-                <a16:creationId xmlns:a16="http://schemas.microsoft.com/office/drawing/2014/main" id="{A08A0BFF-EC77-F796-DDA4-B3139CBAE5E8}"/>
+                <a16:creationId xmlns:a16="http://schemas.microsoft.com/office/drawing/2014/main" id="{E009BA7C-DB08-F00D-6937-E07050406FD3}"/>
               </a:ext>
             </a:extLst>
           </p:cNvPr>
@@ -236,7 +236,7 @@
           <p:cNvPr id="4" name="日期占位符 3">
             <a:extLst>
               <a:ext uri="{FF2B5EF4-FFF2-40B4-BE49-F238E27FC236}">
-                <a16:creationId xmlns:a16="http://schemas.microsoft.com/office/drawing/2014/main" id="{F24B9C5B-4612-7E8B-AC65-E975A2DC248E}"/>
+                <a16:creationId xmlns:a16="http://schemas.microsoft.com/office/drawing/2014/main" id="{1D605496-F58E-58E1-D51E-99F7E2548DC2}"/>
               </a:ext>
             </a:extLst>
           </p:cNvPr>
@@ -252,7 +252,7 @@
           <a:bodyPr/>
           <a:lstStyle/>
           <a:p>
-            <a:fld id="{839779C1-C92A-4700-8253-A32E8B83EAD0}" type="datetimeFigureOut">
+            <a:fld id="{50558986-79EB-43DC-84F1-7EF67A397E3E}" type="datetimeFigureOut">
               <a:rPr lang="zh-CN" altLang="en-US" smtClean="0"/>
               <a:t>2024/3/10</a:t>
             </a:fld>
@@ -265,7 +265,7 @@
           <p:cNvPr id="5" name="页脚占位符 4">
             <a:extLst>
               <a:ext uri="{FF2B5EF4-FFF2-40B4-BE49-F238E27FC236}">
-                <a16:creationId xmlns:a16="http://schemas.microsoft.com/office/drawing/2014/main" id="{35F3B116-F776-14C3-91C9-E201EF97449B}"/>
+                <a16:creationId xmlns:a16="http://schemas.microsoft.com/office/drawing/2014/main" id="{160B7CD5-D4EC-F895-4CE8-D8D3FD9BCC48}"/>
               </a:ext>
             </a:extLst>
           </p:cNvPr>
@@ -290,7 +290,7 @@
           <p:cNvPr id="6" name="灯片编号占位符 5">
             <a:extLst>
               <a:ext uri="{FF2B5EF4-FFF2-40B4-BE49-F238E27FC236}">
-                <a16:creationId xmlns:a16="http://schemas.microsoft.com/office/drawing/2014/main" id="{CDCF5121-92CB-9491-811F-A7FE95F64ABB}"/>
+                <a16:creationId xmlns:a16="http://schemas.microsoft.com/office/drawing/2014/main" id="{CA112A1F-F159-CB5D-6BD3-9232D50E8A58}"/>
               </a:ext>
             </a:extLst>
           </p:cNvPr>
@@ -306,7 +306,7 @@
           <a:bodyPr/>
           <a:lstStyle/>
           <a:p>
-            <a:fld id="{4C6144BA-265B-48AB-8432-275E2EDB62A7}" type="slidenum">
+            <a:fld id="{E7259966-48E1-4267-9300-44132383B099}" type="slidenum">
               <a:rPr lang="zh-CN" altLang="en-US" smtClean="0"/>
               <a:t>‹#›</a:t>
             </a:fld>
@@ -317,7 +317,7 @@
     </p:spTree>
     <p:extLst>
       <p:ext uri="{BB962C8B-B14F-4D97-AF65-F5344CB8AC3E}">
-        <p14:creationId xmlns:p14="http://schemas.microsoft.com/office/powerpoint/2010/main" val="1439670917"/>
+        <p14:creationId xmlns:p14="http://schemas.microsoft.com/office/powerpoint/2010/main" val="656641855"/>
       </p:ext>
     </p:extLst>
   </p:cSld>
@@ -349,7 +349,7 @@
           <p:cNvPr id="2" name="标题 1">
             <a:extLst>
               <a:ext uri="{FF2B5EF4-FFF2-40B4-BE49-F238E27FC236}">
-                <a16:creationId xmlns:a16="http://schemas.microsoft.com/office/drawing/2014/main" id="{EA40B626-8AD5-BA6A-B2FE-CFEA56BFF5F0}"/>
+                <a16:creationId xmlns:a16="http://schemas.microsoft.com/office/drawing/2014/main" id="{960C798A-2449-3254-CB2A-ED28939937C2}"/>
               </a:ext>
             </a:extLst>
           </p:cNvPr>
@@ -377,7 +377,7 @@
           <p:cNvPr id="3" name="竖排文字占位符 2">
             <a:extLst>
               <a:ext uri="{FF2B5EF4-FFF2-40B4-BE49-F238E27FC236}">
-                <a16:creationId xmlns:a16="http://schemas.microsoft.com/office/drawing/2014/main" id="{A1A71AE5-3F41-1487-A055-A9EB7206FF93}"/>
+                <a16:creationId xmlns:a16="http://schemas.microsoft.com/office/drawing/2014/main" id="{03048ACC-9CEA-4C7C-5044-9679136C6142}"/>
               </a:ext>
             </a:extLst>
           </p:cNvPr>
@@ -434,7 +434,7 @@
           <p:cNvPr id="4" name="日期占位符 3">
             <a:extLst>
               <a:ext uri="{FF2B5EF4-FFF2-40B4-BE49-F238E27FC236}">
-                <a16:creationId xmlns:a16="http://schemas.microsoft.com/office/drawing/2014/main" id="{E11EBA4C-724C-5B08-292C-ABDA969AEE64}"/>
+                <a16:creationId xmlns:a16="http://schemas.microsoft.com/office/drawing/2014/main" id="{E304F53A-FE54-F828-C546-AA2D77809AA8}"/>
               </a:ext>
             </a:extLst>
           </p:cNvPr>
@@ -450,7 +450,7 @@
           <a:bodyPr/>
           <a:lstStyle/>
           <a:p>
-            <a:fld id="{839779C1-C92A-4700-8253-A32E8B83EAD0}" type="datetimeFigureOut">
+            <a:fld id="{50558986-79EB-43DC-84F1-7EF67A397E3E}" type="datetimeFigureOut">
               <a:rPr lang="zh-CN" altLang="en-US" smtClean="0"/>
               <a:t>2024/3/10</a:t>
             </a:fld>
@@ -463,7 +463,7 @@
           <p:cNvPr id="5" name="页脚占位符 4">
             <a:extLst>
               <a:ext uri="{FF2B5EF4-FFF2-40B4-BE49-F238E27FC236}">
-                <a16:creationId xmlns:a16="http://schemas.microsoft.com/office/drawing/2014/main" id="{A6005D93-ADB0-E612-A433-B233D595F088}"/>
+                <a16:creationId xmlns:a16="http://schemas.microsoft.com/office/drawing/2014/main" id="{826BEAF2-5C62-06B1-9B8F-1060B066D852}"/>
               </a:ext>
             </a:extLst>
           </p:cNvPr>
@@ -488,7 +488,7 @@
           <p:cNvPr id="6" name="灯片编号占位符 5">
             <a:extLst>
               <a:ext uri="{FF2B5EF4-FFF2-40B4-BE49-F238E27FC236}">
-                <a16:creationId xmlns:a16="http://schemas.microsoft.com/office/drawing/2014/main" id="{A91E15A4-F913-9DB5-E15C-E5E4A86BDB84}"/>
+                <a16:creationId xmlns:a16="http://schemas.microsoft.com/office/drawing/2014/main" id="{23F8FA33-B483-3369-B8E4-DF12FFB7F2EF}"/>
               </a:ext>
             </a:extLst>
           </p:cNvPr>
@@ -504,7 +504,7 @@
           <a:bodyPr/>
           <a:lstStyle/>
           <a:p>
-            <a:fld id="{4C6144BA-265B-48AB-8432-275E2EDB62A7}" type="slidenum">
+            <a:fld id="{E7259966-48E1-4267-9300-44132383B099}" type="slidenum">
               <a:rPr lang="zh-CN" altLang="en-US" smtClean="0"/>
               <a:t>‹#›</a:t>
             </a:fld>
@@ -515,7 +515,7 @@
     </p:spTree>
     <p:extLst>
       <p:ext uri="{BB962C8B-B14F-4D97-AF65-F5344CB8AC3E}">
-        <p14:creationId xmlns:p14="http://schemas.microsoft.com/office/powerpoint/2010/main" val="2932409587"/>
+        <p14:creationId xmlns:p14="http://schemas.microsoft.com/office/powerpoint/2010/main" val="1942917699"/>
       </p:ext>
     </p:extLst>
   </p:cSld>
@@ -547,7 +547,7 @@
           <p:cNvPr id="2" name="竖排标题 1">
             <a:extLst>
               <a:ext uri="{FF2B5EF4-FFF2-40B4-BE49-F238E27FC236}">
-                <a16:creationId xmlns:a16="http://schemas.microsoft.com/office/drawing/2014/main" id="{309F218E-A331-5D8D-51F4-9E649343640B}"/>
+                <a16:creationId xmlns:a16="http://schemas.microsoft.com/office/drawing/2014/main" id="{103D2D04-DCA0-4DE3-7E56-A0DCC45F8D74}"/>
               </a:ext>
             </a:extLst>
           </p:cNvPr>
@@ -580,7 +580,7 @@
           <p:cNvPr id="3" name="竖排文字占位符 2">
             <a:extLst>
               <a:ext uri="{FF2B5EF4-FFF2-40B4-BE49-F238E27FC236}">
-                <a16:creationId xmlns:a16="http://schemas.microsoft.com/office/drawing/2014/main" id="{84771D74-F63C-39CB-02B6-20A05A177738}"/>
+                <a16:creationId xmlns:a16="http://schemas.microsoft.com/office/drawing/2014/main" id="{B64F1AA8-B1C6-8A41-A38C-772EB33FBA14}"/>
               </a:ext>
             </a:extLst>
           </p:cNvPr>
@@ -642,7 +642,7 @@
           <p:cNvPr id="4" name="日期占位符 3">
             <a:extLst>
               <a:ext uri="{FF2B5EF4-FFF2-40B4-BE49-F238E27FC236}">
-                <a16:creationId xmlns:a16="http://schemas.microsoft.com/office/drawing/2014/main" id="{374CE19C-A046-A87C-05E7-D2725EE9AA33}"/>
+                <a16:creationId xmlns:a16="http://schemas.microsoft.com/office/drawing/2014/main" id="{16FB61C4-AA88-7B5F-990D-AD522B7D3AF6}"/>
               </a:ext>
             </a:extLst>
           </p:cNvPr>
@@ -658,7 +658,7 @@
           <a:bodyPr/>
           <a:lstStyle/>
           <a:p>
-            <a:fld id="{839779C1-C92A-4700-8253-A32E8B83EAD0}" type="datetimeFigureOut">
+            <a:fld id="{50558986-79EB-43DC-84F1-7EF67A397E3E}" type="datetimeFigureOut">
               <a:rPr lang="zh-CN" altLang="en-US" smtClean="0"/>
               <a:t>2024/3/10</a:t>
             </a:fld>
@@ -671,7 +671,7 @@
           <p:cNvPr id="5" name="页脚占位符 4">
             <a:extLst>
               <a:ext uri="{FF2B5EF4-FFF2-40B4-BE49-F238E27FC236}">
-                <a16:creationId xmlns:a16="http://schemas.microsoft.com/office/drawing/2014/main" id="{1A271998-F60D-6B6F-6141-051463344889}"/>
+                <a16:creationId xmlns:a16="http://schemas.microsoft.com/office/drawing/2014/main" id="{B7FC7CD9-A0D7-B86D-E080-D80C0D4B2757}"/>
               </a:ext>
             </a:extLst>
           </p:cNvPr>
@@ -696,7 +696,7 @@
           <p:cNvPr id="6" name="灯片编号占位符 5">
             <a:extLst>
               <a:ext uri="{FF2B5EF4-FFF2-40B4-BE49-F238E27FC236}">
-                <a16:creationId xmlns:a16="http://schemas.microsoft.com/office/drawing/2014/main" id="{3C9EC090-8303-79B3-88EE-AFE4906F62AB}"/>
+                <a16:creationId xmlns:a16="http://schemas.microsoft.com/office/drawing/2014/main" id="{CED98BEF-9882-1D6D-DEC1-1BAA788C0AD0}"/>
               </a:ext>
             </a:extLst>
           </p:cNvPr>
@@ -712,7 +712,7 @@
           <a:bodyPr/>
           <a:lstStyle/>
           <a:p>
-            <a:fld id="{4C6144BA-265B-48AB-8432-275E2EDB62A7}" type="slidenum">
+            <a:fld id="{E7259966-48E1-4267-9300-44132383B099}" type="slidenum">
               <a:rPr lang="zh-CN" altLang="en-US" smtClean="0"/>
               <a:t>‹#›</a:t>
             </a:fld>
@@ -723,7 +723,7 @@
     </p:spTree>
     <p:extLst>
       <p:ext uri="{BB962C8B-B14F-4D97-AF65-F5344CB8AC3E}">
-        <p14:creationId xmlns:p14="http://schemas.microsoft.com/office/powerpoint/2010/main" val="1196976"/>
+        <p14:creationId xmlns:p14="http://schemas.microsoft.com/office/powerpoint/2010/main" val="3874411110"/>
       </p:ext>
     </p:extLst>
   </p:cSld>
@@ -755,7 +755,7 @@
           <p:cNvPr id="2" name="标题 1">
             <a:extLst>
               <a:ext uri="{FF2B5EF4-FFF2-40B4-BE49-F238E27FC236}">
-                <a16:creationId xmlns:a16="http://schemas.microsoft.com/office/drawing/2014/main" id="{E0076D0F-0773-E4FE-6829-FF7A7F441083}"/>
+                <a16:creationId xmlns:a16="http://schemas.microsoft.com/office/drawing/2014/main" id="{479A3B9D-515D-6FC6-8AD6-49E69200CB0B}"/>
               </a:ext>
             </a:extLst>
           </p:cNvPr>
@@ -783,7 +783,7 @@
           <p:cNvPr id="3" name="内容占位符 2">
             <a:extLst>
               <a:ext uri="{FF2B5EF4-FFF2-40B4-BE49-F238E27FC236}">
-                <a16:creationId xmlns:a16="http://schemas.microsoft.com/office/drawing/2014/main" id="{5F399110-FA2E-A625-80F3-75DA0D5B652F}"/>
+                <a16:creationId xmlns:a16="http://schemas.microsoft.com/office/drawing/2014/main" id="{65BB31E2-9AE4-D08C-E48A-2BAA535C4578}"/>
               </a:ext>
             </a:extLst>
           </p:cNvPr>
@@ -840,7 +840,7 @@
           <p:cNvPr id="4" name="日期占位符 3">
             <a:extLst>
               <a:ext uri="{FF2B5EF4-FFF2-40B4-BE49-F238E27FC236}">
-                <a16:creationId xmlns:a16="http://schemas.microsoft.com/office/drawing/2014/main" id="{2A647C77-210C-1D08-D255-B3C9A0A05BDC}"/>
+                <a16:creationId xmlns:a16="http://schemas.microsoft.com/office/drawing/2014/main" id="{DCACA320-01D4-35F2-0DE7-DF76C66AAFAB}"/>
               </a:ext>
             </a:extLst>
           </p:cNvPr>
@@ -856,7 +856,7 @@
           <a:bodyPr/>
           <a:lstStyle/>
           <a:p>
-            <a:fld id="{839779C1-C92A-4700-8253-A32E8B83EAD0}" type="datetimeFigureOut">
+            <a:fld id="{50558986-79EB-43DC-84F1-7EF67A397E3E}" type="datetimeFigureOut">
               <a:rPr lang="zh-CN" altLang="en-US" smtClean="0"/>
               <a:t>2024/3/10</a:t>
             </a:fld>
@@ -869,7 +869,7 @@
           <p:cNvPr id="5" name="页脚占位符 4">
             <a:extLst>
               <a:ext uri="{FF2B5EF4-FFF2-40B4-BE49-F238E27FC236}">
-                <a16:creationId xmlns:a16="http://schemas.microsoft.com/office/drawing/2014/main" id="{30434B67-470C-7858-0D9A-586782CD85CB}"/>
+                <a16:creationId xmlns:a16="http://schemas.microsoft.com/office/drawing/2014/main" id="{46724CA4-63B8-09B1-67FE-0A246A13366B}"/>
               </a:ext>
             </a:extLst>
           </p:cNvPr>
@@ -894,7 +894,7 @@
           <p:cNvPr id="6" name="灯片编号占位符 5">
             <a:extLst>
               <a:ext uri="{FF2B5EF4-FFF2-40B4-BE49-F238E27FC236}">
-                <a16:creationId xmlns:a16="http://schemas.microsoft.com/office/drawing/2014/main" id="{44694805-6251-EDC0-0D78-4249E1E3499D}"/>
+                <a16:creationId xmlns:a16="http://schemas.microsoft.com/office/drawing/2014/main" id="{F81AFF3C-8836-2BCE-4685-C9EB8BD32066}"/>
               </a:ext>
             </a:extLst>
           </p:cNvPr>
@@ -910,7 +910,7 @@
           <a:bodyPr/>
           <a:lstStyle/>
           <a:p>
-            <a:fld id="{4C6144BA-265B-48AB-8432-275E2EDB62A7}" type="slidenum">
+            <a:fld id="{E7259966-48E1-4267-9300-44132383B099}" type="slidenum">
               <a:rPr lang="zh-CN" altLang="en-US" smtClean="0"/>
               <a:t>‹#›</a:t>
             </a:fld>
@@ -921,7 +921,7 @@
     </p:spTree>
     <p:extLst>
       <p:ext uri="{BB962C8B-B14F-4D97-AF65-F5344CB8AC3E}">
-        <p14:creationId xmlns:p14="http://schemas.microsoft.com/office/powerpoint/2010/main" val="173469126"/>
+        <p14:creationId xmlns:p14="http://schemas.microsoft.com/office/powerpoint/2010/main" val="3735897141"/>
       </p:ext>
     </p:extLst>
   </p:cSld>
@@ -953,7 +953,7 @@
           <p:cNvPr id="2" name="标题 1">
             <a:extLst>
               <a:ext uri="{FF2B5EF4-FFF2-40B4-BE49-F238E27FC236}">
-                <a16:creationId xmlns:a16="http://schemas.microsoft.com/office/drawing/2014/main" id="{0B0DBE90-1AA7-AF8D-EB44-1BAD746787B7}"/>
+                <a16:creationId xmlns:a16="http://schemas.microsoft.com/office/drawing/2014/main" id="{2344FCFC-7295-4E28-822D-BD1155615C97}"/>
               </a:ext>
             </a:extLst>
           </p:cNvPr>
@@ -990,7 +990,7 @@
           <p:cNvPr id="3" name="文本占位符 2">
             <a:extLst>
               <a:ext uri="{FF2B5EF4-FFF2-40B4-BE49-F238E27FC236}">
-                <a16:creationId xmlns:a16="http://schemas.microsoft.com/office/drawing/2014/main" id="{66AA2FE7-CDAA-5DBE-10E2-515448526FEA}"/>
+                <a16:creationId xmlns:a16="http://schemas.microsoft.com/office/drawing/2014/main" id="{DB33DB66-BD97-51C2-B761-BCE985917744}"/>
               </a:ext>
             </a:extLst>
           </p:cNvPr>
@@ -1115,7 +1115,7 @@
           <p:cNvPr id="4" name="日期占位符 3">
             <a:extLst>
               <a:ext uri="{FF2B5EF4-FFF2-40B4-BE49-F238E27FC236}">
-                <a16:creationId xmlns:a16="http://schemas.microsoft.com/office/drawing/2014/main" id="{13A819D4-6112-2386-BB28-CA178683886C}"/>
+                <a16:creationId xmlns:a16="http://schemas.microsoft.com/office/drawing/2014/main" id="{65A02F90-FBFD-464F-7BE9-CBD2BC6239C2}"/>
               </a:ext>
             </a:extLst>
           </p:cNvPr>
@@ -1131,7 +1131,7 @@
           <a:bodyPr/>
           <a:lstStyle/>
           <a:p>
-            <a:fld id="{839779C1-C92A-4700-8253-A32E8B83EAD0}" type="datetimeFigureOut">
+            <a:fld id="{50558986-79EB-43DC-84F1-7EF67A397E3E}" type="datetimeFigureOut">
               <a:rPr lang="zh-CN" altLang="en-US" smtClean="0"/>
               <a:t>2024/3/10</a:t>
             </a:fld>
@@ -1144,7 +1144,7 @@
           <p:cNvPr id="5" name="页脚占位符 4">
             <a:extLst>
               <a:ext uri="{FF2B5EF4-FFF2-40B4-BE49-F238E27FC236}">
-                <a16:creationId xmlns:a16="http://schemas.microsoft.com/office/drawing/2014/main" id="{22C3BBBA-4189-357D-62BA-8CC507AB66D6}"/>
+                <a16:creationId xmlns:a16="http://schemas.microsoft.com/office/drawing/2014/main" id="{4BFA2AF4-2512-3EA6-FB30-17BF7C3970D9}"/>
               </a:ext>
             </a:extLst>
           </p:cNvPr>
@@ -1169,7 +1169,7 @@
           <p:cNvPr id="6" name="灯片编号占位符 5">
             <a:extLst>
               <a:ext uri="{FF2B5EF4-FFF2-40B4-BE49-F238E27FC236}">
-                <a16:creationId xmlns:a16="http://schemas.microsoft.com/office/drawing/2014/main" id="{96A01F1C-D56E-6EE0-864F-3B68F0F21475}"/>
+                <a16:creationId xmlns:a16="http://schemas.microsoft.com/office/drawing/2014/main" id="{0B405F1F-4B8C-985D-C2FC-2A4B1EDC649D}"/>
               </a:ext>
             </a:extLst>
           </p:cNvPr>
@@ -1185,7 +1185,7 @@
           <a:bodyPr/>
           <a:lstStyle/>
           <a:p>
-            <a:fld id="{4C6144BA-265B-48AB-8432-275E2EDB62A7}" type="slidenum">
+            <a:fld id="{E7259966-48E1-4267-9300-44132383B099}" type="slidenum">
               <a:rPr lang="zh-CN" altLang="en-US" smtClean="0"/>
               <a:t>‹#›</a:t>
             </a:fld>
@@ -1196,7 +1196,7 @@
     </p:spTree>
     <p:extLst>
       <p:ext uri="{BB962C8B-B14F-4D97-AF65-F5344CB8AC3E}">
-        <p14:creationId xmlns:p14="http://schemas.microsoft.com/office/powerpoint/2010/main" val="2166575166"/>
+        <p14:creationId xmlns:p14="http://schemas.microsoft.com/office/powerpoint/2010/main" val="34633850"/>
       </p:ext>
     </p:extLst>
   </p:cSld>
@@ -1228,7 +1228,7 @@
           <p:cNvPr id="2" name="标题 1">
             <a:extLst>
               <a:ext uri="{FF2B5EF4-FFF2-40B4-BE49-F238E27FC236}">
-                <a16:creationId xmlns:a16="http://schemas.microsoft.com/office/drawing/2014/main" id="{0FC2D878-264B-592E-0614-917C3C5B6A1D}"/>
+                <a16:creationId xmlns:a16="http://schemas.microsoft.com/office/drawing/2014/main" id="{FF8D8612-582A-87D3-421C-FA2DC63064DB}"/>
               </a:ext>
             </a:extLst>
           </p:cNvPr>
@@ -1256,7 +1256,7 @@
           <p:cNvPr id="3" name="内容占位符 2">
             <a:extLst>
               <a:ext uri="{FF2B5EF4-FFF2-40B4-BE49-F238E27FC236}">
-                <a16:creationId xmlns:a16="http://schemas.microsoft.com/office/drawing/2014/main" id="{BAFA3ECB-AF2B-865E-EE9A-2B07243BEB05}"/>
+                <a16:creationId xmlns:a16="http://schemas.microsoft.com/office/drawing/2014/main" id="{22A5AF8B-A5A9-9E8D-275E-444081837CF3}"/>
               </a:ext>
             </a:extLst>
           </p:cNvPr>
@@ -1318,7 +1318,7 @@
           <p:cNvPr id="4" name="内容占位符 3">
             <a:extLst>
               <a:ext uri="{FF2B5EF4-FFF2-40B4-BE49-F238E27FC236}">
-                <a16:creationId xmlns:a16="http://schemas.microsoft.com/office/drawing/2014/main" id="{06BA2229-D9DE-2022-768A-69CE6C2C4627}"/>
+                <a16:creationId xmlns:a16="http://schemas.microsoft.com/office/drawing/2014/main" id="{B2ECD7B9-ADAC-551F-BC7B-0F885C6C5FF5}"/>
               </a:ext>
             </a:extLst>
           </p:cNvPr>
@@ -1380,7 +1380,7 @@
           <p:cNvPr id="5" name="日期占位符 4">
             <a:extLst>
               <a:ext uri="{FF2B5EF4-FFF2-40B4-BE49-F238E27FC236}">
-                <a16:creationId xmlns:a16="http://schemas.microsoft.com/office/drawing/2014/main" id="{0EF6E1F3-C3AB-4D1A-6296-C0CD5785F0B8}"/>
+                <a16:creationId xmlns:a16="http://schemas.microsoft.com/office/drawing/2014/main" id="{445FDE67-6F6B-D207-6FED-BBFD2DA9B890}"/>
               </a:ext>
             </a:extLst>
           </p:cNvPr>
@@ -1396,7 +1396,7 @@
           <a:bodyPr/>
           <a:lstStyle/>
           <a:p>
-            <a:fld id="{839779C1-C92A-4700-8253-A32E8B83EAD0}" type="datetimeFigureOut">
+            <a:fld id="{50558986-79EB-43DC-84F1-7EF67A397E3E}" type="datetimeFigureOut">
               <a:rPr lang="zh-CN" altLang="en-US" smtClean="0"/>
               <a:t>2024/3/10</a:t>
             </a:fld>
@@ -1409,7 +1409,7 @@
           <p:cNvPr id="6" name="页脚占位符 5">
             <a:extLst>
               <a:ext uri="{FF2B5EF4-FFF2-40B4-BE49-F238E27FC236}">
-                <a16:creationId xmlns:a16="http://schemas.microsoft.com/office/drawing/2014/main" id="{3CAE334A-821B-9C53-16ED-608EB000CC41}"/>
+                <a16:creationId xmlns:a16="http://schemas.microsoft.com/office/drawing/2014/main" id="{86F2D91B-1682-EADD-BDEF-77F51A64A29E}"/>
               </a:ext>
             </a:extLst>
           </p:cNvPr>
@@ -1434,7 +1434,7 @@
           <p:cNvPr id="7" name="灯片编号占位符 6">
             <a:extLst>
               <a:ext uri="{FF2B5EF4-FFF2-40B4-BE49-F238E27FC236}">
-                <a16:creationId xmlns:a16="http://schemas.microsoft.com/office/drawing/2014/main" id="{10272286-F8FA-0575-DFA3-DAAFB2686EA6}"/>
+                <a16:creationId xmlns:a16="http://schemas.microsoft.com/office/drawing/2014/main" id="{1FD49FFF-C659-F46E-3E72-0DEA8CB35438}"/>
               </a:ext>
             </a:extLst>
           </p:cNvPr>
@@ -1450,7 +1450,7 @@
           <a:bodyPr/>
           <a:lstStyle/>
           <a:p>
-            <a:fld id="{4C6144BA-265B-48AB-8432-275E2EDB62A7}" type="slidenum">
+            <a:fld id="{E7259966-48E1-4267-9300-44132383B099}" type="slidenum">
               <a:rPr lang="zh-CN" altLang="en-US" smtClean="0"/>
               <a:t>‹#›</a:t>
             </a:fld>
@@ -1461,7 +1461,7 @@
     </p:spTree>
     <p:extLst>
       <p:ext uri="{BB962C8B-B14F-4D97-AF65-F5344CB8AC3E}">
-        <p14:creationId xmlns:p14="http://schemas.microsoft.com/office/powerpoint/2010/main" val="2885560977"/>
+        <p14:creationId xmlns:p14="http://schemas.microsoft.com/office/powerpoint/2010/main" val="4082109876"/>
       </p:ext>
     </p:extLst>
   </p:cSld>
@@ -1493,7 +1493,7 @@
           <p:cNvPr id="2" name="标题 1">
             <a:extLst>
               <a:ext uri="{FF2B5EF4-FFF2-40B4-BE49-F238E27FC236}">
-                <a16:creationId xmlns:a16="http://schemas.microsoft.com/office/drawing/2014/main" id="{6DF2F6C6-5173-D3FD-CEEF-2B7CC2AC0361}"/>
+                <a16:creationId xmlns:a16="http://schemas.microsoft.com/office/drawing/2014/main" id="{DC6379B6-69BE-E389-FFED-A153F341B662}"/>
               </a:ext>
             </a:extLst>
           </p:cNvPr>
@@ -1526,7 +1526,7 @@
           <p:cNvPr id="3" name="文本占位符 2">
             <a:extLst>
               <a:ext uri="{FF2B5EF4-FFF2-40B4-BE49-F238E27FC236}">
-                <a16:creationId xmlns:a16="http://schemas.microsoft.com/office/drawing/2014/main" id="{7928AAE5-2DEA-5E50-B9CF-1A3CEAA11E81}"/>
+                <a16:creationId xmlns:a16="http://schemas.microsoft.com/office/drawing/2014/main" id="{55892A2C-3DC5-3638-4FA3-8016F93CCEDD}"/>
               </a:ext>
             </a:extLst>
           </p:cNvPr>
@@ -1597,7 +1597,7 @@
           <p:cNvPr id="4" name="内容占位符 3">
             <a:extLst>
               <a:ext uri="{FF2B5EF4-FFF2-40B4-BE49-F238E27FC236}">
-                <a16:creationId xmlns:a16="http://schemas.microsoft.com/office/drawing/2014/main" id="{ACBD825D-4DFB-B563-DE03-4B8DFF233B7A}"/>
+                <a16:creationId xmlns:a16="http://schemas.microsoft.com/office/drawing/2014/main" id="{6810BAA3-F170-D88B-D761-70A2C1C3D511}"/>
               </a:ext>
             </a:extLst>
           </p:cNvPr>
@@ -1659,7 +1659,7 @@
           <p:cNvPr id="5" name="文本占位符 4">
             <a:extLst>
               <a:ext uri="{FF2B5EF4-FFF2-40B4-BE49-F238E27FC236}">
-                <a16:creationId xmlns:a16="http://schemas.microsoft.com/office/drawing/2014/main" id="{8325D577-969F-930D-F095-BAF5BEFF3A26}"/>
+                <a16:creationId xmlns:a16="http://schemas.microsoft.com/office/drawing/2014/main" id="{34BFC088-6A84-5694-E13A-C77D7D277D09}"/>
               </a:ext>
             </a:extLst>
           </p:cNvPr>
@@ -1730,7 +1730,7 @@
           <p:cNvPr id="6" name="内容占位符 5">
             <a:extLst>
               <a:ext uri="{FF2B5EF4-FFF2-40B4-BE49-F238E27FC236}">
-                <a16:creationId xmlns:a16="http://schemas.microsoft.com/office/drawing/2014/main" id="{07BD409A-40E2-4607-C48E-A550EAEDC750}"/>
+                <a16:creationId xmlns:a16="http://schemas.microsoft.com/office/drawing/2014/main" id="{58B55CB6-6F09-914D-5CB5-4ABB29E7647C}"/>
               </a:ext>
             </a:extLst>
           </p:cNvPr>
@@ -1792,7 +1792,7 @@
           <p:cNvPr id="7" name="日期占位符 6">
             <a:extLst>
               <a:ext uri="{FF2B5EF4-FFF2-40B4-BE49-F238E27FC236}">
-                <a16:creationId xmlns:a16="http://schemas.microsoft.com/office/drawing/2014/main" id="{99389D14-BC80-7E80-5003-77C5F5692E23}"/>
+                <a16:creationId xmlns:a16="http://schemas.microsoft.com/office/drawing/2014/main" id="{4AB191A4-2A87-FA73-3F9F-E8029CD1A7F6}"/>
               </a:ext>
             </a:extLst>
           </p:cNvPr>
@@ -1808,7 +1808,7 @@
           <a:bodyPr/>
           <a:lstStyle/>
           <a:p>
-            <a:fld id="{839779C1-C92A-4700-8253-A32E8B83EAD0}" type="datetimeFigureOut">
+            <a:fld id="{50558986-79EB-43DC-84F1-7EF67A397E3E}" type="datetimeFigureOut">
               <a:rPr lang="zh-CN" altLang="en-US" smtClean="0"/>
               <a:t>2024/3/10</a:t>
             </a:fld>
@@ -1821,7 +1821,7 @@
           <p:cNvPr id="8" name="页脚占位符 7">
             <a:extLst>
               <a:ext uri="{FF2B5EF4-FFF2-40B4-BE49-F238E27FC236}">
-                <a16:creationId xmlns:a16="http://schemas.microsoft.com/office/drawing/2014/main" id="{74FD3F8C-6253-44CA-A94B-78F94836B423}"/>
+                <a16:creationId xmlns:a16="http://schemas.microsoft.com/office/drawing/2014/main" id="{4CDD6E4E-A230-194C-9B3A-A2FC9C64BE91}"/>
               </a:ext>
             </a:extLst>
           </p:cNvPr>
@@ -1846,7 +1846,7 @@
           <p:cNvPr id="9" name="灯片编号占位符 8">
             <a:extLst>
               <a:ext uri="{FF2B5EF4-FFF2-40B4-BE49-F238E27FC236}">
-                <a16:creationId xmlns:a16="http://schemas.microsoft.com/office/drawing/2014/main" id="{193F5B57-3DD3-9E6D-DD77-2350DD0F8218}"/>
+                <a16:creationId xmlns:a16="http://schemas.microsoft.com/office/drawing/2014/main" id="{DFA978EB-0AF5-695E-00CF-0F2F294872FF}"/>
               </a:ext>
             </a:extLst>
           </p:cNvPr>
@@ -1862,7 +1862,7 @@
           <a:bodyPr/>
           <a:lstStyle/>
           <a:p>
-            <a:fld id="{4C6144BA-265B-48AB-8432-275E2EDB62A7}" type="slidenum">
+            <a:fld id="{E7259966-48E1-4267-9300-44132383B099}" type="slidenum">
               <a:rPr lang="zh-CN" altLang="en-US" smtClean="0"/>
               <a:t>‹#›</a:t>
             </a:fld>
@@ -1873,7 +1873,7 @@
     </p:spTree>
     <p:extLst>
       <p:ext uri="{BB962C8B-B14F-4D97-AF65-F5344CB8AC3E}">
-        <p14:creationId xmlns:p14="http://schemas.microsoft.com/office/powerpoint/2010/main" val="475661630"/>
+        <p14:creationId xmlns:p14="http://schemas.microsoft.com/office/powerpoint/2010/main" val="3263779356"/>
       </p:ext>
     </p:extLst>
   </p:cSld>
@@ -1905,7 +1905,7 @@
           <p:cNvPr id="2" name="标题 1">
             <a:extLst>
               <a:ext uri="{FF2B5EF4-FFF2-40B4-BE49-F238E27FC236}">
-                <a16:creationId xmlns:a16="http://schemas.microsoft.com/office/drawing/2014/main" id="{29A40878-B81D-D541-458E-4C46FAA7FCA4}"/>
+                <a16:creationId xmlns:a16="http://schemas.microsoft.com/office/drawing/2014/main" id="{1B825827-E796-68EB-26ED-19DEBB2A3321}"/>
               </a:ext>
             </a:extLst>
           </p:cNvPr>
@@ -1933,7 +1933,7 @@
           <p:cNvPr id="3" name="日期占位符 2">
             <a:extLst>
               <a:ext uri="{FF2B5EF4-FFF2-40B4-BE49-F238E27FC236}">
-                <a16:creationId xmlns:a16="http://schemas.microsoft.com/office/drawing/2014/main" id="{FAF793EF-006E-D119-C660-5C77627EA779}"/>
+                <a16:creationId xmlns:a16="http://schemas.microsoft.com/office/drawing/2014/main" id="{9A484AA4-92D4-2DF5-DD76-E9F397DF0787}"/>
               </a:ext>
             </a:extLst>
           </p:cNvPr>
@@ -1949,7 +1949,7 @@
           <a:bodyPr/>
           <a:lstStyle/>
           <a:p>
-            <a:fld id="{839779C1-C92A-4700-8253-A32E8B83EAD0}" type="datetimeFigureOut">
+            <a:fld id="{50558986-79EB-43DC-84F1-7EF67A397E3E}" type="datetimeFigureOut">
               <a:rPr lang="zh-CN" altLang="en-US" smtClean="0"/>
               <a:t>2024/3/10</a:t>
             </a:fld>
@@ -1962,7 +1962,7 @@
           <p:cNvPr id="4" name="页脚占位符 3">
             <a:extLst>
               <a:ext uri="{FF2B5EF4-FFF2-40B4-BE49-F238E27FC236}">
-                <a16:creationId xmlns:a16="http://schemas.microsoft.com/office/drawing/2014/main" id="{4CACB681-6918-AA82-66A1-F723E121D8A5}"/>
+                <a16:creationId xmlns:a16="http://schemas.microsoft.com/office/drawing/2014/main" id="{00640971-A379-73E3-8453-B0FFFCBFF305}"/>
               </a:ext>
             </a:extLst>
           </p:cNvPr>
@@ -1987,7 +1987,7 @@
           <p:cNvPr id="5" name="灯片编号占位符 4">
             <a:extLst>
               <a:ext uri="{FF2B5EF4-FFF2-40B4-BE49-F238E27FC236}">
-                <a16:creationId xmlns:a16="http://schemas.microsoft.com/office/drawing/2014/main" id="{A02B5CA7-D24B-144C-1394-023137D26E3B}"/>
+                <a16:creationId xmlns:a16="http://schemas.microsoft.com/office/drawing/2014/main" id="{6301C192-56C4-3E1A-F2F4-C4F55108E4E5}"/>
               </a:ext>
             </a:extLst>
           </p:cNvPr>
@@ -2003,7 +2003,7 @@
           <a:bodyPr/>
           <a:lstStyle/>
           <a:p>
-            <a:fld id="{4C6144BA-265B-48AB-8432-275E2EDB62A7}" type="slidenum">
+            <a:fld id="{E7259966-48E1-4267-9300-44132383B099}" type="slidenum">
               <a:rPr lang="zh-CN" altLang="en-US" smtClean="0"/>
               <a:t>‹#›</a:t>
             </a:fld>
@@ -2014,7 +2014,7 @@
     </p:spTree>
     <p:extLst>
       <p:ext uri="{BB962C8B-B14F-4D97-AF65-F5344CB8AC3E}">
-        <p14:creationId xmlns:p14="http://schemas.microsoft.com/office/powerpoint/2010/main" val="3657351763"/>
+        <p14:creationId xmlns:p14="http://schemas.microsoft.com/office/powerpoint/2010/main" val="1048737820"/>
       </p:ext>
     </p:extLst>
   </p:cSld>
@@ -2046,7 +2046,7 @@
           <p:cNvPr id="2" name="日期占位符 1">
             <a:extLst>
               <a:ext uri="{FF2B5EF4-FFF2-40B4-BE49-F238E27FC236}">
-                <a16:creationId xmlns:a16="http://schemas.microsoft.com/office/drawing/2014/main" id="{94042AC3-B39C-E8B5-A3AA-7B3626FE1FCB}"/>
+                <a16:creationId xmlns:a16="http://schemas.microsoft.com/office/drawing/2014/main" id="{DB4E7C14-13F7-9557-2E78-625CAC673FFC}"/>
               </a:ext>
             </a:extLst>
           </p:cNvPr>
@@ -2062,7 +2062,7 @@
           <a:bodyPr/>
           <a:lstStyle/>
           <a:p>
-            <a:fld id="{839779C1-C92A-4700-8253-A32E8B83EAD0}" type="datetimeFigureOut">
+            <a:fld id="{50558986-79EB-43DC-84F1-7EF67A397E3E}" type="datetimeFigureOut">
               <a:rPr lang="zh-CN" altLang="en-US" smtClean="0"/>
               <a:t>2024/3/10</a:t>
             </a:fld>
@@ -2075,7 +2075,7 @@
           <p:cNvPr id="3" name="页脚占位符 2">
             <a:extLst>
               <a:ext uri="{FF2B5EF4-FFF2-40B4-BE49-F238E27FC236}">
-                <a16:creationId xmlns:a16="http://schemas.microsoft.com/office/drawing/2014/main" id="{2930C20E-1A40-5DB2-7D4D-A8F683890462}"/>
+                <a16:creationId xmlns:a16="http://schemas.microsoft.com/office/drawing/2014/main" id="{D5620839-B12D-E197-91A3-BDADA25A3A08}"/>
               </a:ext>
             </a:extLst>
           </p:cNvPr>
@@ -2100,7 +2100,7 @@
           <p:cNvPr id="4" name="灯片编号占位符 3">
             <a:extLst>
               <a:ext uri="{FF2B5EF4-FFF2-40B4-BE49-F238E27FC236}">
-                <a16:creationId xmlns:a16="http://schemas.microsoft.com/office/drawing/2014/main" id="{1C7CE482-AB81-5D98-4812-ABECCBD061BD}"/>
+                <a16:creationId xmlns:a16="http://schemas.microsoft.com/office/drawing/2014/main" id="{0FC1F2E7-8928-97E5-52A7-330DE6598385}"/>
               </a:ext>
             </a:extLst>
           </p:cNvPr>
@@ -2116,7 +2116,7 @@
           <a:bodyPr/>
           <a:lstStyle/>
           <a:p>
-            <a:fld id="{4C6144BA-265B-48AB-8432-275E2EDB62A7}" type="slidenum">
+            <a:fld id="{E7259966-48E1-4267-9300-44132383B099}" type="slidenum">
               <a:rPr lang="zh-CN" altLang="en-US" smtClean="0"/>
               <a:t>‹#›</a:t>
             </a:fld>
@@ -2127,7 +2127,7 @@
     </p:spTree>
     <p:extLst>
       <p:ext uri="{BB962C8B-B14F-4D97-AF65-F5344CB8AC3E}">
-        <p14:creationId xmlns:p14="http://schemas.microsoft.com/office/powerpoint/2010/main" val="3807456151"/>
+        <p14:creationId xmlns:p14="http://schemas.microsoft.com/office/powerpoint/2010/main" val="4156425345"/>
       </p:ext>
     </p:extLst>
   </p:cSld>
@@ -2159,7 +2159,7 @@
           <p:cNvPr id="2" name="标题 1">
             <a:extLst>
               <a:ext uri="{FF2B5EF4-FFF2-40B4-BE49-F238E27FC236}">
-                <a16:creationId xmlns:a16="http://schemas.microsoft.com/office/drawing/2014/main" id="{12C1BEB7-CD34-58D8-91E7-31DA5632B6DE}"/>
+                <a16:creationId xmlns:a16="http://schemas.microsoft.com/office/drawing/2014/main" id="{FB532582-696F-CB3A-63BB-393F73E44C60}"/>
               </a:ext>
             </a:extLst>
           </p:cNvPr>
@@ -2196,7 +2196,7 @@
           <p:cNvPr id="3" name="内容占位符 2">
             <a:extLst>
               <a:ext uri="{FF2B5EF4-FFF2-40B4-BE49-F238E27FC236}">
-                <a16:creationId xmlns:a16="http://schemas.microsoft.com/office/drawing/2014/main" id="{439044CA-85FD-BCFC-5400-AA49D06E0B89}"/>
+                <a16:creationId xmlns:a16="http://schemas.microsoft.com/office/drawing/2014/main" id="{0D010B06-EDC8-08F2-A9B1-501C56F4D436}"/>
               </a:ext>
             </a:extLst>
           </p:cNvPr>
@@ -2286,7 +2286,7 @@
           <p:cNvPr id="4" name="文本占位符 3">
             <a:extLst>
               <a:ext uri="{FF2B5EF4-FFF2-40B4-BE49-F238E27FC236}">
-                <a16:creationId xmlns:a16="http://schemas.microsoft.com/office/drawing/2014/main" id="{DDBDBFD9-F1D1-15F6-97C1-189F72E1C9D9}"/>
+                <a16:creationId xmlns:a16="http://schemas.microsoft.com/office/drawing/2014/main" id="{4EF558A3-3B41-A481-B2F8-8FEC6E596A73}"/>
               </a:ext>
             </a:extLst>
           </p:cNvPr>
@@ -2357,7 +2357,7 @@
           <p:cNvPr id="5" name="日期占位符 4">
             <a:extLst>
               <a:ext uri="{FF2B5EF4-FFF2-40B4-BE49-F238E27FC236}">
-                <a16:creationId xmlns:a16="http://schemas.microsoft.com/office/drawing/2014/main" id="{0431391E-5090-3AAC-0A96-86BD724DC094}"/>
+                <a16:creationId xmlns:a16="http://schemas.microsoft.com/office/drawing/2014/main" id="{82A8465E-C8E3-C48C-AFC5-38CD696E1BF1}"/>
               </a:ext>
             </a:extLst>
           </p:cNvPr>
@@ -2373,7 +2373,7 @@
           <a:bodyPr/>
           <a:lstStyle/>
           <a:p>
-            <a:fld id="{839779C1-C92A-4700-8253-A32E8B83EAD0}" type="datetimeFigureOut">
+            <a:fld id="{50558986-79EB-43DC-84F1-7EF67A397E3E}" type="datetimeFigureOut">
               <a:rPr lang="zh-CN" altLang="en-US" smtClean="0"/>
               <a:t>2024/3/10</a:t>
             </a:fld>
@@ -2386,7 +2386,7 @@
           <p:cNvPr id="6" name="页脚占位符 5">
             <a:extLst>
               <a:ext uri="{FF2B5EF4-FFF2-40B4-BE49-F238E27FC236}">
-                <a16:creationId xmlns:a16="http://schemas.microsoft.com/office/drawing/2014/main" id="{39DE8A50-A4D9-7331-133E-89271D968545}"/>
+                <a16:creationId xmlns:a16="http://schemas.microsoft.com/office/drawing/2014/main" id="{9157D27C-D198-3816-2199-A825EB17F98A}"/>
               </a:ext>
             </a:extLst>
           </p:cNvPr>
@@ -2411,7 +2411,7 @@
           <p:cNvPr id="7" name="灯片编号占位符 6">
             <a:extLst>
               <a:ext uri="{FF2B5EF4-FFF2-40B4-BE49-F238E27FC236}">
-                <a16:creationId xmlns:a16="http://schemas.microsoft.com/office/drawing/2014/main" id="{DB054198-A6AF-D961-C14D-F50DE7295BA8}"/>
+                <a16:creationId xmlns:a16="http://schemas.microsoft.com/office/drawing/2014/main" id="{C4A11222-A6B2-CFF8-350C-747B86547121}"/>
               </a:ext>
             </a:extLst>
           </p:cNvPr>
@@ -2427,7 +2427,7 @@
           <a:bodyPr/>
           <a:lstStyle/>
           <a:p>
-            <a:fld id="{4C6144BA-265B-48AB-8432-275E2EDB62A7}" type="slidenum">
+            <a:fld id="{E7259966-48E1-4267-9300-44132383B099}" type="slidenum">
               <a:rPr lang="zh-CN" altLang="en-US" smtClean="0"/>
               <a:t>‹#›</a:t>
             </a:fld>
@@ -2438,7 +2438,7 @@
     </p:spTree>
     <p:extLst>
       <p:ext uri="{BB962C8B-B14F-4D97-AF65-F5344CB8AC3E}">
-        <p14:creationId xmlns:p14="http://schemas.microsoft.com/office/powerpoint/2010/main" val="652057635"/>
+        <p14:creationId xmlns:p14="http://schemas.microsoft.com/office/powerpoint/2010/main" val="2311490468"/>
       </p:ext>
     </p:extLst>
   </p:cSld>
@@ -2470,7 +2470,7 @@
           <p:cNvPr id="2" name="标题 1">
             <a:extLst>
               <a:ext uri="{FF2B5EF4-FFF2-40B4-BE49-F238E27FC236}">
-                <a16:creationId xmlns:a16="http://schemas.microsoft.com/office/drawing/2014/main" id="{FE8DFD0B-A00A-D1DF-7B26-D2DC31CF490D}"/>
+                <a16:creationId xmlns:a16="http://schemas.microsoft.com/office/drawing/2014/main" id="{93F85D05-04DE-8900-6D5A-751192473B05}"/>
               </a:ext>
             </a:extLst>
           </p:cNvPr>
@@ -2507,7 +2507,7 @@
           <p:cNvPr id="3" name="图片占位符 2">
             <a:extLst>
               <a:ext uri="{FF2B5EF4-FFF2-40B4-BE49-F238E27FC236}">
-                <a16:creationId xmlns:a16="http://schemas.microsoft.com/office/drawing/2014/main" id="{67A3C69F-8E88-275A-CA72-7398805AC6E7}"/>
+                <a16:creationId xmlns:a16="http://schemas.microsoft.com/office/drawing/2014/main" id="{BB83C9F0-CCB8-28EE-8FD4-B18379527A46}"/>
               </a:ext>
             </a:extLst>
           </p:cNvPr>
@@ -2574,7 +2574,7 @@
           <p:cNvPr id="4" name="文本占位符 3">
             <a:extLst>
               <a:ext uri="{FF2B5EF4-FFF2-40B4-BE49-F238E27FC236}">
-                <a16:creationId xmlns:a16="http://schemas.microsoft.com/office/drawing/2014/main" id="{AAFCD51B-8841-67F1-4F00-E6FDE8DEAC52}"/>
+                <a16:creationId xmlns:a16="http://schemas.microsoft.com/office/drawing/2014/main" id="{368C6E31-180A-88E5-CFD2-AD10A3BCAD6A}"/>
               </a:ext>
             </a:extLst>
           </p:cNvPr>
@@ -2645,7 +2645,7 @@
           <p:cNvPr id="5" name="日期占位符 4">
             <a:extLst>
               <a:ext uri="{FF2B5EF4-FFF2-40B4-BE49-F238E27FC236}">
-                <a16:creationId xmlns:a16="http://schemas.microsoft.com/office/drawing/2014/main" id="{BCCCBBFD-A894-CDF1-F354-566FA033FD89}"/>
+                <a16:creationId xmlns:a16="http://schemas.microsoft.com/office/drawing/2014/main" id="{40025312-B80A-7481-2FF5-11368E28C4B6}"/>
               </a:ext>
             </a:extLst>
           </p:cNvPr>
@@ -2661,7 +2661,7 @@
           <a:bodyPr/>
           <a:lstStyle/>
           <a:p>
-            <a:fld id="{839779C1-C92A-4700-8253-A32E8B83EAD0}" type="datetimeFigureOut">
+            <a:fld id="{50558986-79EB-43DC-84F1-7EF67A397E3E}" type="datetimeFigureOut">
               <a:rPr lang="zh-CN" altLang="en-US" smtClean="0"/>
               <a:t>2024/3/10</a:t>
             </a:fld>
@@ -2674,7 +2674,7 @@
           <p:cNvPr id="6" name="页脚占位符 5">
             <a:extLst>
               <a:ext uri="{FF2B5EF4-FFF2-40B4-BE49-F238E27FC236}">
-                <a16:creationId xmlns:a16="http://schemas.microsoft.com/office/drawing/2014/main" id="{11428690-EEEE-A0DA-A9B9-1D9CDE8DAC73}"/>
+                <a16:creationId xmlns:a16="http://schemas.microsoft.com/office/drawing/2014/main" id="{B4225763-55E5-0322-D941-D4C26A06760C}"/>
               </a:ext>
             </a:extLst>
           </p:cNvPr>
@@ -2699,7 +2699,7 @@
           <p:cNvPr id="7" name="灯片编号占位符 6">
             <a:extLst>
               <a:ext uri="{FF2B5EF4-FFF2-40B4-BE49-F238E27FC236}">
-                <a16:creationId xmlns:a16="http://schemas.microsoft.com/office/drawing/2014/main" id="{57071E57-3490-738A-CFBA-E63498006850}"/>
+                <a16:creationId xmlns:a16="http://schemas.microsoft.com/office/drawing/2014/main" id="{BCC2517E-E4B2-7E77-5A07-743D2DA21983}"/>
               </a:ext>
             </a:extLst>
           </p:cNvPr>
@@ -2715,7 +2715,7 @@
           <a:bodyPr/>
           <a:lstStyle/>
           <a:p>
-            <a:fld id="{4C6144BA-265B-48AB-8432-275E2EDB62A7}" type="slidenum">
+            <a:fld id="{E7259966-48E1-4267-9300-44132383B099}" type="slidenum">
               <a:rPr lang="zh-CN" altLang="en-US" smtClean="0"/>
               <a:t>‹#›</a:t>
             </a:fld>
@@ -2726,7 +2726,7 @@
     </p:spTree>
     <p:extLst>
       <p:ext uri="{BB962C8B-B14F-4D97-AF65-F5344CB8AC3E}">
-        <p14:creationId xmlns:p14="http://schemas.microsoft.com/office/powerpoint/2010/main" val="2970567023"/>
+        <p14:creationId xmlns:p14="http://schemas.microsoft.com/office/powerpoint/2010/main" val="956570274"/>
       </p:ext>
     </p:extLst>
   </p:cSld>
@@ -2763,7 +2763,7 @@
           <p:cNvPr id="2" name="标题占位符 1">
             <a:extLst>
               <a:ext uri="{FF2B5EF4-FFF2-40B4-BE49-F238E27FC236}">
-                <a16:creationId xmlns:a16="http://schemas.microsoft.com/office/drawing/2014/main" id="{D89A3F83-B7B9-6606-D57A-B6B86D520794}"/>
+                <a16:creationId xmlns:a16="http://schemas.microsoft.com/office/drawing/2014/main" id="{5AAF6B46-8989-265F-EBD4-262106D33DE9}"/>
               </a:ext>
             </a:extLst>
           </p:cNvPr>
@@ -2801,7 +2801,7 @@
           <p:cNvPr id="3" name="文本占位符 2">
             <a:extLst>
               <a:ext uri="{FF2B5EF4-FFF2-40B4-BE49-F238E27FC236}">
-                <a16:creationId xmlns:a16="http://schemas.microsoft.com/office/drawing/2014/main" id="{CAEAB9BA-400D-086A-30EA-153B9579605D}"/>
+                <a16:creationId xmlns:a16="http://schemas.microsoft.com/office/drawing/2014/main" id="{8F6B5610-145D-9FD8-9C21-E3E75176FAA9}"/>
               </a:ext>
             </a:extLst>
           </p:cNvPr>
@@ -2868,7 +2868,7 @@
           <p:cNvPr id="4" name="日期占位符 3">
             <a:extLst>
               <a:ext uri="{FF2B5EF4-FFF2-40B4-BE49-F238E27FC236}">
-                <a16:creationId xmlns:a16="http://schemas.microsoft.com/office/drawing/2014/main" id="{BEBFB7BE-0F90-5EA0-6243-42C4BD7D5622}"/>
+                <a16:creationId xmlns:a16="http://schemas.microsoft.com/office/drawing/2014/main" id="{04B96988-E6F4-30EE-C7E2-F01BF450C8A7}"/>
               </a:ext>
             </a:extLst>
           </p:cNvPr>
@@ -2902,7 +2902,7 @@
             </a:lvl1pPr>
           </a:lstStyle>
           <a:p>
-            <a:fld id="{839779C1-C92A-4700-8253-A32E8B83EAD0}" type="datetimeFigureOut">
+            <a:fld id="{50558986-79EB-43DC-84F1-7EF67A397E3E}" type="datetimeFigureOut">
               <a:rPr lang="zh-CN" altLang="en-US" smtClean="0"/>
               <a:t>2024/3/10</a:t>
             </a:fld>
@@ -2915,7 +2915,7 @@
           <p:cNvPr id="5" name="页脚占位符 4">
             <a:extLst>
               <a:ext uri="{FF2B5EF4-FFF2-40B4-BE49-F238E27FC236}">
-                <a16:creationId xmlns:a16="http://schemas.microsoft.com/office/drawing/2014/main" id="{FB3D813F-F48C-9D66-588C-14A6750C611C}"/>
+                <a16:creationId xmlns:a16="http://schemas.microsoft.com/office/drawing/2014/main" id="{B5D21A91-33D2-7A9C-8051-C888604A31DC}"/>
               </a:ext>
             </a:extLst>
           </p:cNvPr>
@@ -2958,7 +2958,7 @@
           <p:cNvPr id="6" name="灯片编号占位符 5">
             <a:extLst>
               <a:ext uri="{FF2B5EF4-FFF2-40B4-BE49-F238E27FC236}">
-                <a16:creationId xmlns:a16="http://schemas.microsoft.com/office/drawing/2014/main" id="{42FF49ED-CA74-B5F1-CD52-384434954BCD}"/>
+                <a16:creationId xmlns:a16="http://schemas.microsoft.com/office/drawing/2014/main" id="{670F7859-C571-7A98-25BE-0D081306C6B5}"/>
               </a:ext>
             </a:extLst>
           </p:cNvPr>
@@ -2992,7 +2992,7 @@
             </a:lvl1pPr>
           </a:lstStyle>
           <a:p>
-            <a:fld id="{4C6144BA-265B-48AB-8432-275E2EDB62A7}" type="slidenum">
+            <a:fld id="{E7259966-48E1-4267-9300-44132383B099}" type="slidenum">
               <a:rPr lang="zh-CN" altLang="en-US" smtClean="0"/>
               <a:t>‹#›</a:t>
             </a:fld>
@@ -3003,7 +3003,7 @@
     </p:spTree>
     <p:extLst>
       <p:ext uri="{BB962C8B-B14F-4D97-AF65-F5344CB8AC3E}">
-        <p14:creationId xmlns:p14="http://schemas.microsoft.com/office/powerpoint/2010/main" val="3792276540"/>
+        <p14:creationId xmlns:p14="http://schemas.microsoft.com/office/powerpoint/2010/main" val="2607132649"/>
       </p:ext>
     </p:extLst>
   </p:cSld>
